--- a/presentation/MySQL优化相关（持续积累...）/索引优化相关.pptx
+++ b/presentation/MySQL优化相关（持续积累...）/索引优化相关.pptx
@@ -238,7 +238,7 @@
           <a:p>
             <a:fld id="{D2A48B96-639E-45A3-A0BA-2464DFDB1FAA}" type="datetimeFigureOut">
               <a:rPr lang="zh-CN" altLang="en-US" smtClean="0"/>
-              <a:t>2024-04-20</a:t>
+              <a:t>2024-04-21</a:t>
             </a:fld>
             <a:endParaRPr lang="zh-CN" altLang="en-US"/>
           </a:p>
@@ -2565,7 +2565,7 @@
           <a:p>
             <a:fld id="{8035C5D1-AD16-4B01-871F-DE047A6CFB67}" type="datetimeFigureOut">
               <a:rPr lang="zh-CN" altLang="en-US" smtClean="0"/>
-              <a:t>2024-04-20</a:t>
+              <a:t>2024-04-21</a:t>
             </a:fld>
             <a:endParaRPr lang="zh-CN" altLang="en-US"/>
           </a:p>
@@ -2677,7 +2677,7 @@
           <a:p>
             <a:fld id="{8035C5D1-AD16-4B01-871F-DE047A6CFB67}" type="datetimeFigureOut">
               <a:rPr lang="zh-CN" altLang="en-US" smtClean="0"/>
-              <a:t>2024-04-20</a:t>
+              <a:t>2024-04-21</a:t>
             </a:fld>
             <a:endParaRPr lang="zh-CN" altLang="en-US"/>
           </a:p>
@@ -2794,7 +2794,7 @@
           <a:p>
             <a:fld id="{8035C5D1-AD16-4B01-871F-DE047A6CFB67}" type="datetimeFigureOut">
               <a:rPr lang="zh-CN" altLang="en-US" smtClean="0"/>
-              <a:t>2024-04-20</a:t>
+              <a:t>2024-04-21</a:t>
             </a:fld>
             <a:endParaRPr lang="zh-CN" altLang="en-US"/>
           </a:p>
@@ -2911,7 +2911,7 @@
           <a:p>
             <a:fld id="{8035C5D1-AD16-4B01-871F-DE047A6CFB67}" type="datetimeFigureOut">
               <a:rPr lang="zh-CN" altLang="en-US" smtClean="0"/>
-              <a:t>2024-04-20</a:t>
+              <a:t>2024-04-21</a:t>
             </a:fld>
             <a:endParaRPr lang="zh-CN" altLang="en-US"/>
           </a:p>
@@ -3028,7 +3028,7 @@
           <a:p>
             <a:fld id="{8035C5D1-AD16-4B01-871F-DE047A6CFB67}" type="datetimeFigureOut">
               <a:rPr lang="zh-CN" altLang="en-US" smtClean="0"/>
-              <a:t>2024-04-20</a:t>
+              <a:t>2024-04-21</a:t>
             </a:fld>
             <a:endParaRPr lang="zh-CN" altLang="en-US"/>
           </a:p>
@@ -3145,7 +3145,7 @@
           <a:p>
             <a:fld id="{8035C5D1-AD16-4B01-871F-DE047A6CFB67}" type="datetimeFigureOut">
               <a:rPr lang="zh-CN" altLang="en-US" smtClean="0"/>
-              <a:t>2024-04-20</a:t>
+              <a:t>2024-04-21</a:t>
             </a:fld>
             <a:endParaRPr lang="zh-CN" altLang="en-US"/>
           </a:p>
@@ -3262,7 +3262,7 @@
           <a:p>
             <a:fld id="{8035C5D1-AD16-4B01-871F-DE047A6CFB67}" type="datetimeFigureOut">
               <a:rPr lang="zh-CN" altLang="en-US" smtClean="0"/>
-              <a:t>2024-04-20</a:t>
+              <a:t>2024-04-21</a:t>
             </a:fld>
             <a:endParaRPr lang="zh-CN" altLang="en-US"/>
           </a:p>
@@ -4394,7 +4394,7 @@
           <a:p>
             <a:fld id="{8035C5D1-AD16-4B01-871F-DE047A6CFB67}" type="datetimeFigureOut">
               <a:rPr lang="zh-CN" altLang="en-US" smtClean="0"/>
-              <a:t>2024-04-20</a:t>
+              <a:t>2024-04-21</a:t>
             </a:fld>
             <a:endParaRPr lang="zh-CN" altLang="en-US"/>
           </a:p>
@@ -4768,7 +4768,7 @@
         </p:nvSpPr>
         <p:spPr>
           <a:xfrm>
-            <a:off x="2537774" y="2217807"/>
+            <a:off x="2537774" y="1863864"/>
             <a:ext cx="4068452" cy="707886"/>
           </a:xfrm>
           <a:prstGeom prst="rect">
@@ -4784,21 +4784,6 @@
           <a:p>
             <a:pPr algn="dist"/>
             <a:r>
-              <a:rPr lang="en-US" altLang="zh-CN" sz="4000" dirty="0">
-                <a:ln w="6350">
-                  <a:noFill/>
-                </a:ln>
-                <a:solidFill>
-                  <a:schemeClr val="bg1">
-                    <a:lumMod val="50000"/>
-                  </a:schemeClr>
-                </a:solidFill>
-                <a:latin typeface="微软雅黑" pitchFamily="34" charset="-122"/>
-                <a:ea typeface="微软雅黑" pitchFamily="34" charset="-122"/>
-              </a:rPr>
-              <a:t>JVM</a:t>
-            </a:r>
-            <a:r>
               <a:rPr lang="zh-CN" altLang="en-US" sz="4000" dirty="0">
                 <a:ln w="6350">
                   <a:noFill/>
@@ -4811,8 +4796,46 @@
                 <a:latin typeface="微软雅黑" pitchFamily="34" charset="-122"/>
                 <a:ea typeface="微软雅黑" pitchFamily="34" charset="-122"/>
               </a:rPr>
-              <a:t>内存模型</a:t>
-            </a:r>
+              <a:t>索引优化相关</a:t>
+            </a:r>
+          </a:p>
+        </p:txBody>
+      </p:sp>
+      <p:sp>
+        <p:nvSpPr>
+          <p:cNvPr id="6" name="文本框 5">
+            <a:extLst>
+              <a:ext uri="{FF2B5EF4-FFF2-40B4-BE49-F238E27FC236}">
+                <a16:creationId xmlns:a16="http://schemas.microsoft.com/office/drawing/2014/main" id="{852BD7D9-64BE-4C26-ACDD-1391E5D3A719}"/>
+              </a:ext>
+            </a:extLst>
+          </p:cNvPr>
+          <p:cNvSpPr txBox="1"/>
+          <p:nvPr/>
+        </p:nvSpPr>
+        <p:spPr>
+          <a:xfrm>
+            <a:off x="2339752" y="4371950"/>
+            <a:ext cx="5616624" cy="369332"/>
+          </a:xfrm>
+          <a:prstGeom prst="rect">
+            <a:avLst/>
+          </a:prstGeom>
+          <a:noFill/>
+        </p:spPr>
+        <p:txBody>
+          <a:bodyPr wrap="square">
+            <a:spAutoFit/>
+          </a:bodyPr>
+          <a:lstStyle/>
+          <a:p>
+            <a:r>
+              <a:rPr lang="zh-CN" altLang="en-US" dirty="0">
+                <a:hlinkClick r:id="rId2"/>
+              </a:rPr>
+              <a:t>https://time.geekbang.org/column/intro/100020801</a:t>
+            </a:r>
+            <a:endParaRPr lang="zh-CN" altLang="en-US" dirty="0"/>
           </a:p>
         </p:txBody>
       </p:sp>
@@ -9438,8 +9461,8 @@
         </p:nvSpPr>
         <p:spPr>
           <a:xfrm>
-            <a:off x="3281417" y="1407812"/>
-            <a:ext cx="3018775" cy="400110"/>
+            <a:off x="2627784" y="1407812"/>
+            <a:ext cx="4770858" cy="400110"/>
           </a:xfrm>
           <a:prstGeom prst="rect">
             <a:avLst/>
@@ -9464,7 +9487,7 @@
                 <a:latin typeface="微软雅黑" panose="020B0503020204020204" pitchFamily="34" charset="-122"/>
                 <a:ea typeface="微软雅黑" panose="020B0503020204020204" pitchFamily="34" charset="-122"/>
               </a:rPr>
-              <a:t>01  JVM</a:t>
+              <a:t>01  MySQL</a:t>
             </a:r>
             <a:r>
               <a:rPr lang="zh-CN" altLang="en-US" sz="2000" b="1" dirty="0">
@@ -9479,7 +9502,7 @@
                 <a:latin typeface="微软雅黑" panose="020B0503020204020204" pitchFamily="34" charset="-122"/>
                 <a:ea typeface="微软雅黑" panose="020B0503020204020204" pitchFamily="34" charset="-122"/>
               </a:rPr>
-              <a:t>运行时内存划分</a:t>
+              <a:t>为什么有时候会选错索引？</a:t>
             </a:r>
           </a:p>
         </p:txBody>
@@ -9498,8 +9521,8 @@
         </p:nvSpPr>
         <p:spPr>
           <a:xfrm>
-            <a:off x="3281417" y="2184850"/>
-            <a:ext cx="2250552" cy="400110"/>
+            <a:off x="2627784" y="1925467"/>
+            <a:ext cx="3853940" cy="400110"/>
           </a:xfrm>
           <a:prstGeom prst="rect">
             <a:avLst/>
@@ -9524,7 +9547,7 @@
                 <a:latin typeface="微软雅黑" panose="020B0503020204020204" pitchFamily="34" charset="-122"/>
                 <a:ea typeface="微软雅黑" panose="020B0503020204020204" pitchFamily="34" charset="-122"/>
               </a:rPr>
-              <a:t>02  JVM</a:t>
+              <a:t>02  </a:t>
             </a:r>
             <a:r>
               <a:rPr lang="zh-CN" altLang="en-US" sz="2000" b="1" dirty="0">
@@ -9539,7 +9562,7 @@
                 <a:latin typeface="微软雅黑" panose="020B0503020204020204" pitchFamily="34" charset="-122"/>
                 <a:ea typeface="微软雅黑" panose="020B0503020204020204" pitchFamily="34" charset="-122"/>
               </a:rPr>
-              <a:t>进程模型</a:t>
+              <a:t>怎么给字符串字段加索引？</a:t>
             </a:r>
           </a:p>
         </p:txBody>
@@ -9558,8 +9581,8 @@
         </p:nvSpPr>
         <p:spPr>
           <a:xfrm>
-            <a:off x="3281417" y="2961888"/>
-            <a:ext cx="2707793" cy="400110"/>
+            <a:off x="2627784" y="2443122"/>
+            <a:ext cx="4650632" cy="400110"/>
           </a:xfrm>
           <a:prstGeom prst="rect">
             <a:avLst/>
@@ -9599,7 +9622,37 @@
                 <a:latin typeface="微软雅黑" panose="020B0503020204020204" pitchFamily="34" charset="-122"/>
                 <a:ea typeface="微软雅黑" panose="020B0503020204020204" pitchFamily="34" charset="-122"/>
               </a:rPr>
-              <a:t>操作系统线程模型</a:t>
+              <a:t>为什么我的</a:t>
+            </a:r>
+            <a:r>
+              <a:rPr lang="en-US" altLang="zh-CN" sz="2000" b="1" dirty="0">
+                <a:ln w="6350">
+                  <a:noFill/>
+                </a:ln>
+                <a:solidFill>
+                  <a:schemeClr val="bg1">
+                    <a:lumMod val="50000"/>
+                  </a:schemeClr>
+                </a:solidFill>
+                <a:latin typeface="微软雅黑" panose="020B0503020204020204" pitchFamily="34" charset="-122"/>
+                <a:ea typeface="微软雅黑" panose="020B0503020204020204" pitchFamily="34" charset="-122"/>
+              </a:rPr>
+              <a:t>MySQL</a:t>
+            </a:r>
+            <a:r>
+              <a:rPr lang="zh-CN" altLang="en-US" sz="2000" b="1" dirty="0">
+                <a:ln w="6350">
+                  <a:noFill/>
+                </a:ln>
+                <a:solidFill>
+                  <a:schemeClr val="bg1">
+                    <a:lumMod val="50000"/>
+                  </a:schemeClr>
+                </a:solidFill>
+                <a:latin typeface="微软雅黑" panose="020B0503020204020204" pitchFamily="34" charset="-122"/>
+                <a:ea typeface="微软雅黑" panose="020B0503020204020204" pitchFamily="34" charset="-122"/>
+              </a:rPr>
+              <a:t>会“抖”一下？</a:t>
             </a:r>
           </a:p>
         </p:txBody>
@@ -9618,8 +9671,8 @@
         </p:nvSpPr>
         <p:spPr>
           <a:xfrm>
-            <a:off x="3281417" y="3738926"/>
-            <a:ext cx="2249334" cy="400110"/>
+            <a:off x="2627784" y="2960777"/>
+            <a:ext cx="6290505" cy="400110"/>
           </a:xfrm>
           <a:prstGeom prst="rect">
             <a:avLst/>
@@ -9644,7 +9697,7 @@
                 <a:latin typeface="微软雅黑" panose="020B0503020204020204" pitchFamily="34" charset="-122"/>
                 <a:ea typeface="微软雅黑" panose="020B0503020204020204" pitchFamily="34" charset="-122"/>
               </a:rPr>
-              <a:t>04  JVM</a:t>
+              <a:t>04  </a:t>
             </a:r>
             <a:r>
               <a:rPr lang="zh-CN" altLang="en-US" sz="2000" b="1" dirty="0">
@@ -9659,7 +9712,37 @@
                 <a:latin typeface="微软雅黑" panose="020B0503020204020204" pitchFamily="34" charset="-122"/>
                 <a:ea typeface="微软雅黑" panose="020B0503020204020204" pitchFamily="34" charset="-122"/>
               </a:rPr>
-              <a:t>线程模型</a:t>
+              <a:t>为什么这些</a:t>
+            </a:r>
+            <a:r>
+              <a:rPr lang="en-US" altLang="zh-CN" sz="2000" b="1" dirty="0">
+                <a:ln w="6350">
+                  <a:noFill/>
+                </a:ln>
+                <a:solidFill>
+                  <a:schemeClr val="bg1">
+                    <a:lumMod val="50000"/>
+                  </a:schemeClr>
+                </a:solidFill>
+                <a:latin typeface="微软雅黑" panose="020B0503020204020204" pitchFamily="34" charset="-122"/>
+                <a:ea typeface="微软雅黑" panose="020B0503020204020204" pitchFamily="34" charset="-122"/>
+              </a:rPr>
+              <a:t>SQL</a:t>
+            </a:r>
+            <a:r>
+              <a:rPr lang="zh-CN" altLang="en-US" sz="2000" b="1" dirty="0">
+                <a:ln w="6350">
+                  <a:noFill/>
+                </a:ln>
+                <a:solidFill>
+                  <a:schemeClr val="bg1">
+                    <a:lumMod val="50000"/>
+                  </a:schemeClr>
+                </a:solidFill>
+                <a:latin typeface="微软雅黑" panose="020B0503020204020204" pitchFamily="34" charset="-122"/>
+                <a:ea typeface="微软雅黑" panose="020B0503020204020204" pitchFamily="34" charset="-122"/>
+              </a:rPr>
+              <a:t>语句逻辑相同，性能却差异巨大？</a:t>
             </a:r>
           </a:p>
         </p:txBody>
@@ -9678,8 +9761,8 @@
         </p:nvSpPr>
         <p:spPr>
           <a:xfrm>
-            <a:off x="3281417" y="4515966"/>
-            <a:ext cx="2194832" cy="400110"/>
+            <a:off x="2627784" y="3478432"/>
+            <a:ext cx="5933034" cy="400110"/>
           </a:xfrm>
           <a:prstGeom prst="rect">
             <a:avLst/>
@@ -9704,7 +9787,7 @@
                 <a:latin typeface="微软雅黑" panose="020B0503020204020204" pitchFamily="34" charset="-122"/>
                 <a:ea typeface="微软雅黑" panose="020B0503020204020204" pitchFamily="34" charset="-122"/>
               </a:rPr>
-              <a:t>05  </a:t>
+              <a:t>05  MySQL</a:t>
             </a:r>
             <a:r>
               <a:rPr lang="zh-CN" altLang="en-US" sz="2000" b="1" dirty="0">
@@ -9719,7 +9802,157 @@
                 <a:latin typeface="微软雅黑" panose="020B0503020204020204" pitchFamily="34" charset="-122"/>
                 <a:ea typeface="微软雅黑" panose="020B0503020204020204" pitchFamily="34" charset="-122"/>
               </a:rPr>
-              <a:t>其它面试问题</a:t>
+              <a:t>有哪些“饮鸩止渴”提高性能的方法？</a:t>
+            </a:r>
+          </a:p>
+        </p:txBody>
+      </p:sp>
+      <p:sp>
+        <p:nvSpPr>
+          <p:cNvPr id="13" name="矩形 12">
+            <a:extLst>
+              <a:ext uri="{FF2B5EF4-FFF2-40B4-BE49-F238E27FC236}">
+                <a16:creationId xmlns:a16="http://schemas.microsoft.com/office/drawing/2014/main" id="{C58F2529-264D-46EB-9DE6-563D86E013D7}"/>
+              </a:ext>
+            </a:extLst>
+          </p:cNvPr>
+          <p:cNvSpPr/>
+          <p:nvPr/>
+        </p:nvSpPr>
+        <p:spPr>
+          <a:xfrm>
+            <a:off x="2627784" y="3996087"/>
+            <a:ext cx="4495141" cy="400110"/>
+          </a:xfrm>
+          <a:prstGeom prst="rect">
+            <a:avLst/>
+          </a:prstGeom>
+        </p:spPr>
+        <p:txBody>
+          <a:bodyPr wrap="none">
+            <a:spAutoFit/>
+          </a:bodyPr>
+          <a:lstStyle/>
+          <a:p>
+            <a:r>
+              <a:rPr lang="en-US" altLang="zh-CN" sz="2000" b="1" dirty="0">
+                <a:ln w="6350">
+                  <a:noFill/>
+                </a:ln>
+                <a:solidFill>
+                  <a:schemeClr val="bg1">
+                    <a:lumMod val="50000"/>
+                  </a:schemeClr>
+                </a:solidFill>
+                <a:latin typeface="微软雅黑" panose="020B0503020204020204" pitchFamily="34" charset="-122"/>
+                <a:ea typeface="微软雅黑" panose="020B0503020204020204" pitchFamily="34" charset="-122"/>
+              </a:rPr>
+              <a:t>06  </a:t>
+            </a:r>
+            <a:r>
+              <a:rPr lang="zh-CN" altLang="en-US" sz="2000" b="1" dirty="0">
+                <a:ln w="6350">
+                  <a:noFill/>
+                </a:ln>
+                <a:solidFill>
+                  <a:schemeClr val="bg1">
+                    <a:lumMod val="50000"/>
+                  </a:schemeClr>
+                </a:solidFill>
+                <a:latin typeface="微软雅黑" panose="020B0503020204020204" pitchFamily="34" charset="-122"/>
+                <a:ea typeface="微软雅黑" panose="020B0503020204020204" pitchFamily="34" charset="-122"/>
+              </a:rPr>
+              <a:t>一条</a:t>
+            </a:r>
+            <a:r>
+              <a:rPr lang="en-US" altLang="zh-CN" sz="2000" b="1" dirty="0">
+                <a:ln w="6350">
+                  <a:noFill/>
+                </a:ln>
+                <a:solidFill>
+                  <a:schemeClr val="bg1">
+                    <a:lumMod val="50000"/>
+                  </a:schemeClr>
+                </a:solidFill>
+                <a:latin typeface="微软雅黑" panose="020B0503020204020204" pitchFamily="34" charset="-122"/>
+                <a:ea typeface="微软雅黑" panose="020B0503020204020204" pitchFamily="34" charset="-122"/>
+              </a:rPr>
+              <a:t>SQL</a:t>
+            </a:r>
+            <a:r>
+              <a:rPr lang="zh-CN" altLang="en-US" sz="2000" b="1" dirty="0">
+                <a:ln w="6350">
+                  <a:noFill/>
+                </a:ln>
+                <a:solidFill>
+                  <a:schemeClr val="bg1">
+                    <a:lumMod val="50000"/>
+                  </a:schemeClr>
+                </a:solidFill>
+                <a:latin typeface="微软雅黑" panose="020B0503020204020204" pitchFamily="34" charset="-122"/>
+                <a:ea typeface="微软雅黑" panose="020B0503020204020204" pitchFamily="34" charset="-122"/>
+              </a:rPr>
+              <a:t>执行的很慢的原因有哪些</a:t>
+            </a:r>
+          </a:p>
+        </p:txBody>
+      </p:sp>
+      <p:sp>
+        <p:nvSpPr>
+          <p:cNvPr id="15" name="矩形 14">
+            <a:extLst>
+              <a:ext uri="{FF2B5EF4-FFF2-40B4-BE49-F238E27FC236}">
+                <a16:creationId xmlns:a16="http://schemas.microsoft.com/office/drawing/2014/main" id="{7DAC3FE0-72FE-4854-A9CE-6A31739C54D7}"/>
+              </a:ext>
+            </a:extLst>
+          </p:cNvPr>
+          <p:cNvSpPr/>
+          <p:nvPr/>
+        </p:nvSpPr>
+        <p:spPr>
+          <a:xfrm>
+            <a:off x="2627784" y="4513741"/>
+            <a:ext cx="3733714" cy="400110"/>
+          </a:xfrm>
+          <a:prstGeom prst="rect">
+            <a:avLst/>
+          </a:prstGeom>
+        </p:spPr>
+        <p:txBody>
+          <a:bodyPr wrap="none">
+            <a:spAutoFit/>
+          </a:bodyPr>
+          <a:lstStyle/>
+          <a:p>
+            <a:r>
+              <a:rPr lang="en-US" altLang="zh-CN" sz="2000" b="1" dirty="0">
+                <a:ln w="6350">
+                  <a:noFill/>
+                </a:ln>
+                <a:solidFill>
+                  <a:schemeClr val="bg1">
+                    <a:lumMod val="50000"/>
+                  </a:schemeClr>
+                </a:solidFill>
+                <a:latin typeface="微软雅黑" panose="020B0503020204020204" pitchFamily="34" charset="-122"/>
+                <a:ea typeface="微软雅黑" panose="020B0503020204020204" pitchFamily="34" charset="-122"/>
+              </a:rPr>
+              <a:t>07  </a:t>
+            </a:r>
+            <a:r>
+              <a:rPr lang="zh-CN" altLang="en-US" sz="2000" b="1" dirty="0">
+                <a:ln w="6350">
+                  <a:noFill/>
+                </a:ln>
+                <a:solidFill>
+                  <a:schemeClr val="bg1">
+                    <a:lumMod val="50000"/>
+                  </a:schemeClr>
+                </a:solidFill>
+                <a:latin typeface="微软雅黑" panose="020B0503020204020204" pitchFamily="34" charset="-122"/>
+                <a:ea typeface="微软雅黑" panose="020B0503020204020204" pitchFamily="34" charset="-122"/>
+              </a:rPr>
+              <a:t>索引优化相关面试题连环炮</a:t>
             </a:r>
           </a:p>
         </p:txBody>
@@ -17494,8 +17727,8 @@
         </p:nvSpPr>
         <p:spPr>
           <a:xfrm>
-            <a:off x="5364088" y="2070506"/>
-            <a:ext cx="3049570" cy="400110"/>
+            <a:off x="5002478" y="2070506"/>
+            <a:ext cx="4032448" cy="400110"/>
           </a:xfrm>
           <a:prstGeom prst="rect">
             <a:avLst/>
@@ -17520,7 +17753,7 @@
                 <a:latin typeface="微软雅黑" panose="020B0503020204020204" pitchFamily="34" charset="-122"/>
                 <a:ea typeface="微软雅黑" panose="020B0503020204020204" pitchFamily="34" charset="-122"/>
               </a:rPr>
-              <a:t>JVM</a:t>
+              <a:t>MySQL</a:t>
             </a:r>
             <a:r>
               <a:rPr lang="zh-CN" altLang="en-US" sz="2000" b="1" dirty="0">
@@ -17535,7 +17768,7 @@
                 <a:latin typeface="微软雅黑" panose="020B0503020204020204" pitchFamily="34" charset="-122"/>
                 <a:ea typeface="微软雅黑" panose="020B0503020204020204" pitchFamily="34" charset="-122"/>
               </a:rPr>
-              <a:t>运行时内存划分</a:t>
+              <a:t>为什么有时候会选错索引？</a:t>
             </a:r>
             <a:endParaRPr lang="zh-CN" altLang="en-US" sz="2000" b="1" dirty="0">
               <a:ln w="6350">
@@ -17561,7 +17794,7 @@
         </p:nvSpPr>
         <p:spPr>
           <a:xfrm>
-            <a:off x="4573570" y="1790523"/>
+            <a:off x="4211960" y="1790523"/>
             <a:ext cx="790518" cy="769441"/>
           </a:xfrm>
           <a:prstGeom prst="rect">

--- a/presentation/MySQL优化相关（持续积累...）/索引优化相关.pptx
+++ b/presentation/MySQL优化相关（持续积累...）/索引优化相关.pptx
@@ -238,7 +238,7 @@
           <a:p>
             <a:fld id="{D2A48B96-639E-45A3-A0BA-2464DFDB1FAA}" type="datetimeFigureOut">
               <a:rPr lang="zh-CN" altLang="en-US" smtClean="0"/>
-              <a:t>2024-04-21</a:t>
+              <a:t>2024-04-29</a:t>
             </a:fld>
             <a:endParaRPr lang="zh-CN" altLang="en-US"/>
           </a:p>
@@ -2565,7 +2565,7 @@
           <a:p>
             <a:fld id="{8035C5D1-AD16-4B01-871F-DE047A6CFB67}" type="datetimeFigureOut">
               <a:rPr lang="zh-CN" altLang="en-US" smtClean="0"/>
-              <a:t>2024-04-21</a:t>
+              <a:t>2024-04-29</a:t>
             </a:fld>
             <a:endParaRPr lang="zh-CN" altLang="en-US"/>
           </a:p>
@@ -2677,7 +2677,7 @@
           <a:p>
             <a:fld id="{8035C5D1-AD16-4B01-871F-DE047A6CFB67}" type="datetimeFigureOut">
               <a:rPr lang="zh-CN" altLang="en-US" smtClean="0"/>
-              <a:t>2024-04-21</a:t>
+              <a:t>2024-04-29</a:t>
             </a:fld>
             <a:endParaRPr lang="zh-CN" altLang="en-US"/>
           </a:p>
@@ -2794,7 +2794,7 @@
           <a:p>
             <a:fld id="{8035C5D1-AD16-4B01-871F-DE047A6CFB67}" type="datetimeFigureOut">
               <a:rPr lang="zh-CN" altLang="en-US" smtClean="0"/>
-              <a:t>2024-04-21</a:t>
+              <a:t>2024-04-29</a:t>
             </a:fld>
             <a:endParaRPr lang="zh-CN" altLang="en-US"/>
           </a:p>
@@ -2911,7 +2911,7 @@
           <a:p>
             <a:fld id="{8035C5D1-AD16-4B01-871F-DE047A6CFB67}" type="datetimeFigureOut">
               <a:rPr lang="zh-CN" altLang="en-US" smtClean="0"/>
-              <a:t>2024-04-21</a:t>
+              <a:t>2024-04-29</a:t>
             </a:fld>
             <a:endParaRPr lang="zh-CN" altLang="en-US"/>
           </a:p>
@@ -3028,7 +3028,7 @@
           <a:p>
             <a:fld id="{8035C5D1-AD16-4B01-871F-DE047A6CFB67}" type="datetimeFigureOut">
               <a:rPr lang="zh-CN" altLang="en-US" smtClean="0"/>
-              <a:t>2024-04-21</a:t>
+              <a:t>2024-04-29</a:t>
             </a:fld>
             <a:endParaRPr lang="zh-CN" altLang="en-US"/>
           </a:p>
@@ -3145,7 +3145,7 @@
           <a:p>
             <a:fld id="{8035C5D1-AD16-4B01-871F-DE047A6CFB67}" type="datetimeFigureOut">
               <a:rPr lang="zh-CN" altLang="en-US" smtClean="0"/>
-              <a:t>2024-04-21</a:t>
+              <a:t>2024-04-29</a:t>
             </a:fld>
             <a:endParaRPr lang="zh-CN" altLang="en-US"/>
           </a:p>
@@ -3262,7 +3262,7 @@
           <a:p>
             <a:fld id="{8035C5D1-AD16-4B01-871F-DE047A6CFB67}" type="datetimeFigureOut">
               <a:rPr lang="zh-CN" altLang="en-US" smtClean="0"/>
-              <a:t>2024-04-21</a:t>
+              <a:t>2024-04-29</a:t>
             </a:fld>
             <a:endParaRPr lang="zh-CN" altLang="en-US"/>
           </a:p>
@@ -4394,7 +4394,7 @@
           <a:p>
             <a:fld id="{8035C5D1-AD16-4B01-871F-DE047A6CFB67}" type="datetimeFigureOut">
               <a:rPr lang="zh-CN" altLang="en-US" smtClean="0"/>
-              <a:t>2024-04-21</a:t>
+              <a:t>2024-04-29</a:t>
             </a:fld>
             <a:endParaRPr lang="zh-CN" altLang="en-US"/>
           </a:p>
@@ -9179,7 +9179,7 @@
         </p:nvGrpSpPr>
         <p:grpSpPr>
           <a:xfrm>
-            <a:off x="3294112" y="1125349"/>
+            <a:off x="3294112" y="863575"/>
             <a:ext cx="2555776" cy="47429"/>
             <a:chOff x="2190216" y="0"/>
             <a:chExt cx="4752528" cy="108012"/>
@@ -9378,7 +9378,7 @@
         </p:nvSpPr>
         <p:spPr>
           <a:xfrm>
-            <a:off x="3832860" y="313244"/>
+            <a:off x="3832860" y="51470"/>
             <a:ext cx="1478280" cy="769441"/>
           </a:xfrm>
           <a:prstGeom prst="rect">
@@ -9461,7 +9461,7 @@
         </p:nvSpPr>
         <p:spPr>
           <a:xfrm>
-            <a:off x="2627784" y="1407812"/>
+            <a:off x="2627784" y="1146038"/>
             <a:ext cx="4770858" cy="400110"/>
           </a:xfrm>
           <a:prstGeom prst="rect">
@@ -9521,7 +9521,7 @@
         </p:nvSpPr>
         <p:spPr>
           <a:xfrm>
-            <a:off x="2627784" y="1925467"/>
+            <a:off x="2627784" y="1647869"/>
             <a:ext cx="3853940" cy="400110"/>
           </a:xfrm>
           <a:prstGeom prst="rect">
@@ -9581,7 +9581,7 @@
         </p:nvSpPr>
         <p:spPr>
           <a:xfrm>
-            <a:off x="2627784" y="2443122"/>
+            <a:off x="2627784" y="2149700"/>
             <a:ext cx="4650632" cy="400110"/>
           </a:xfrm>
           <a:prstGeom prst="rect">
@@ -9671,7 +9671,7 @@
         </p:nvSpPr>
         <p:spPr>
           <a:xfrm>
-            <a:off x="2627784" y="2960777"/>
+            <a:off x="2627784" y="2651531"/>
             <a:ext cx="6290505" cy="400110"/>
           </a:xfrm>
           <a:prstGeom prst="rect">
@@ -9761,7 +9761,7 @@
         </p:nvSpPr>
         <p:spPr>
           <a:xfrm>
-            <a:off x="2627784" y="3478432"/>
+            <a:off x="2627784" y="3153362"/>
             <a:ext cx="5933034" cy="400110"/>
           </a:xfrm>
           <a:prstGeom prst="rect">
@@ -9821,7 +9821,7 @@
         </p:nvSpPr>
         <p:spPr>
           <a:xfrm>
-            <a:off x="2627784" y="3996087"/>
+            <a:off x="2593899" y="4157024"/>
             <a:ext cx="4495141" cy="400110"/>
           </a:xfrm>
           <a:prstGeom prst="rect">
@@ -9911,7 +9911,7 @@
         </p:nvSpPr>
         <p:spPr>
           <a:xfrm>
-            <a:off x="2627784" y="4513741"/>
+            <a:off x="2627784" y="4658853"/>
             <a:ext cx="3733714" cy="400110"/>
           </a:xfrm>
           <a:prstGeom prst="rect">
@@ -9953,6 +9953,66 @@
                 <a:ea typeface="微软雅黑" panose="020B0503020204020204" pitchFamily="34" charset="-122"/>
               </a:rPr>
               <a:t>索引优化相关面试题连环炮</a:t>
+            </a:r>
+          </a:p>
+        </p:txBody>
+      </p:sp>
+      <p:sp>
+        <p:nvSpPr>
+          <p:cNvPr id="16" name="矩形 15">
+            <a:extLst>
+              <a:ext uri="{FF2B5EF4-FFF2-40B4-BE49-F238E27FC236}">
+                <a16:creationId xmlns:a16="http://schemas.microsoft.com/office/drawing/2014/main" id="{C509CF07-75B9-43E0-A650-BC5AA88E7C12}"/>
+              </a:ext>
+            </a:extLst>
+          </p:cNvPr>
+          <p:cNvSpPr/>
+          <p:nvPr/>
+        </p:nvSpPr>
+        <p:spPr>
+          <a:xfrm>
+            <a:off x="2593898" y="3655193"/>
+            <a:ext cx="5529078" cy="400110"/>
+          </a:xfrm>
+          <a:prstGeom prst="rect">
+            <a:avLst/>
+          </a:prstGeom>
+        </p:spPr>
+        <p:txBody>
+          <a:bodyPr wrap="none">
+            <a:spAutoFit/>
+          </a:bodyPr>
+          <a:lstStyle/>
+          <a:p>
+            <a:r>
+              <a:rPr lang="en-US" altLang="zh-CN" sz="2000" b="1" dirty="0">
+                <a:ln w="6350">
+                  <a:noFill/>
+                </a:ln>
+                <a:solidFill>
+                  <a:schemeClr val="bg1">
+                    <a:lumMod val="50000"/>
+                  </a:schemeClr>
+                </a:solidFill>
+                <a:latin typeface="微软雅黑" panose="020B0503020204020204" pitchFamily="34" charset="-122"/>
+                <a:ea typeface="微软雅黑" panose="020B0503020204020204" pitchFamily="34" charset="-122"/>
+              </a:rPr>
+              <a:t>06  </a:t>
+            </a:r>
+            <a:r>
+              <a:rPr lang="zh-CN" altLang="en-US" sz="2000" b="1" dirty="0">
+                <a:ln w="6350">
+                  <a:noFill/>
+                </a:ln>
+                <a:solidFill>
+                  <a:schemeClr val="bg1">
+                    <a:lumMod val="50000"/>
+                  </a:schemeClr>
+                </a:solidFill>
+                <a:latin typeface="微软雅黑" panose="020B0503020204020204" pitchFamily="34" charset="-122"/>
+                <a:ea typeface="微软雅黑" panose="020B0503020204020204" pitchFamily="34" charset="-122"/>
+              </a:rPr>
+              <a:t>为什么我只查一行的语句，也执行这么慢？</a:t>
             </a:r>
           </a:p>
         </p:txBody>
